--- a/KHDL.pptx
+++ b/KHDL.pptx
@@ -13151,8 +13151,8 @@
         </p:nvSpPr>
         <p:spPr>
           <a:xfrm>
-            <a:off x="2495390" y="3518656"/>
-            <a:ext cx="6850049" cy="1242779"/>
+            <a:off x="2005782" y="3518656"/>
+            <a:ext cx="7339658" cy="1242779"/>
           </a:xfrm>
           <a:prstGeom prst="rect">
             <a:avLst/>
@@ -13440,7 +13440,7 @@
                 <a:latin typeface="iCiel Cucho" pitchFamily="50" charset="0"/>
                 <a:cs typeface="iCiel Cucho" pitchFamily="50" charset="0"/>
               </a:rPr>
-              <a:t>Giáo viên hướng dẫn: Nguyễn Văn Huy</a:t>
+              <a:t>Giáo viên hướng dẫn: TS.Nguyễn Văn Huy</a:t>
             </a:r>
           </a:p>
         </p:txBody>
